--- a/Vue.js.pptx
+++ b/Vue.js.pptx
@@ -5,10 +5,10 @@
     <p:sldMasterId id="2147483660" r:id="rId4"/>
   </p:sldMasterIdLst>
   <p:notesMasterIdLst>
-    <p:notesMasterId r:id="rId30"/>
+    <p:notesMasterId r:id="rId29"/>
   </p:notesMasterIdLst>
   <p:handoutMasterIdLst>
-    <p:handoutMasterId r:id="rId31"/>
+    <p:handoutMasterId r:id="rId30"/>
   </p:handoutMasterIdLst>
   <p:sldIdLst>
     <p:sldId id="257" r:id="rId5"/>
@@ -33,9 +33,8 @@
     <p:sldId id="290" r:id="rId24"/>
     <p:sldId id="292" r:id="rId25"/>
     <p:sldId id="287" r:id="rId26"/>
-    <p:sldId id="269" r:id="rId27"/>
-    <p:sldId id="259" r:id="rId28"/>
-    <p:sldId id="293" r:id="rId29"/>
+    <p:sldId id="259" r:id="rId27"/>
+    <p:sldId id="293" r:id="rId28"/>
   </p:sldIdLst>
   <p:sldSz cx="12188825" cy="6858000"/>
   <p:notesSz cx="6858000" cy="9144000"/>
@@ -6744,7 +6743,7 @@
           </a:bodyPr>
           <a:lstStyle/>
           <a:p>
-            <a:pPr marL="0" indent="0">
+            <a:pPr marL="0" indent="0" algn="just">
               <a:buNone/>
             </a:pPr>
             <a:r>
@@ -6753,27 +6752,32 @@
             </a:r>
           </a:p>
           <a:p>
+            <a:pPr algn="just"/>
             <a:endParaRPr lang="en-US" dirty="0"/>
           </a:p>
           <a:p>
+            <a:pPr algn="just"/>
             <a:r>
               <a:rPr lang="en-US" dirty="0"/>
               <a:t>Automatically apply classes for CSS transitions and animations</a:t>
             </a:r>
           </a:p>
           <a:p>
+            <a:pPr algn="just"/>
             <a:r>
               <a:rPr lang="en-US" dirty="0"/>
               <a:t>Integrate third-party CSS animation libraries, such as Animate.css</a:t>
             </a:r>
           </a:p>
           <a:p>
+            <a:pPr algn="just"/>
             <a:r>
               <a:rPr lang="en-US" dirty="0"/>
               <a:t>Use JavaScript to directly manipulate the DOM during transition hooks</a:t>
             </a:r>
           </a:p>
           <a:p>
+            <a:pPr algn="just"/>
             <a:r>
               <a:rPr lang="en-US" dirty="0"/>
               <a:t>Integrate third-party JavaScript animation libraries, such as Velocity.js</a:t>
@@ -8637,368 +8641,6 @@
       </p:grpSpPr>
       <p:sp>
         <p:nvSpPr>
-          <p:cNvPr id="2" name="Tytuł 1"/>
-          <p:cNvSpPr>
-            <a:spLocks noGrp="1"/>
-          </p:cNvSpPr>
-          <p:nvPr>
-            <p:ph type="title"/>
-          </p:nvPr>
-        </p:nvSpPr>
-        <p:spPr/>
-        <p:txBody>
-          <a:bodyPr rtlCol="0"/>
-          <a:lstStyle/>
-          <a:p>
-            <a:pPr rtl="0"/>
-            <a:r>
-              <a:rPr lang="pl"/>
-              <a:t>Układ Dwa elementy zawartości z tabelą</a:t>
-            </a:r>
-          </a:p>
-        </p:txBody>
-      </p:sp>
-      <p:sp>
-        <p:nvSpPr>
-          <p:cNvPr id="3" name="Zawartość — symbol zastępczy 2"/>
-          <p:cNvSpPr>
-            <a:spLocks noGrp="1"/>
-          </p:cNvSpPr>
-          <p:nvPr>
-            <p:ph sz="half" idx="1"/>
-          </p:nvPr>
-        </p:nvSpPr>
-        <p:spPr/>
-        <p:txBody>
-          <a:bodyPr rtlCol="0"/>
-          <a:lstStyle/>
-          <a:p>
-            <a:pPr rtl="0"/>
-            <a:r>
-              <a:rPr lang="pl"/>
-              <a:t>Tutaj dodaj pierwszy punktor</a:t>
-            </a:r>
-          </a:p>
-          <a:p>
-            <a:pPr rtl="0"/>
-            <a:r>
-              <a:rPr lang="pl"/>
-              <a:t>Tutaj dodaj drugi punktor</a:t>
-            </a:r>
-          </a:p>
-          <a:p>
-            <a:pPr rtl="0"/>
-            <a:r>
-              <a:rPr lang="pl"/>
-              <a:t>Tutaj dodaj trzeci punktor</a:t>
-            </a:r>
-          </a:p>
-        </p:txBody>
-      </p:sp>
-      <p:graphicFrame>
-        <p:nvGraphicFramePr>
-          <p:cNvPr id="5" name="Zawartość — symbol zastępczy 4"/>
-          <p:cNvGraphicFramePr>
-            <a:graphicFrameLocks noGrp="1"/>
-          </p:cNvGraphicFramePr>
-          <p:nvPr>
-            <p:ph sz="half" idx="2"/>
-            <p:extLst>
-              <p:ext uri="{D42A27DB-BD31-4B8C-83A1-F6EECF244321}">
-                <p14:modId xmlns:p14="http://schemas.microsoft.com/office/powerpoint/2010/main" val="1580206012"/>
-              </p:ext>
-            </p:extLst>
-          </p:nvPr>
-        </p:nvGraphicFramePr>
-        <p:xfrm>
-          <a:off x="6500813" y="1706563"/>
-          <a:ext cx="5078412" cy="2255836"/>
-        </p:xfrm>
-        <a:graphic>
-          <a:graphicData uri="http://schemas.openxmlformats.org/drawingml/2006/table">
-            <a:tbl>
-              <a:tblPr firstRow="1" bandRow="1">
-                <a:tableStyleId>{5C22544A-7EE6-4342-B048-85BDC9FD1C3A}</a:tableStyleId>
-              </a:tblPr>
-              <a:tblGrid>
-                <a:gridCol w="1692804">
-                  <a:extLst>
-                    <a:ext uri="{9D8B030D-6E8A-4147-A177-3AD203B41FA5}">
-                      <a16:colId xmlns:a16="http://schemas.microsoft.com/office/drawing/2014/main" val="20000"/>
-                    </a:ext>
-                  </a:extLst>
-                </a:gridCol>
-                <a:gridCol w="1692804">
-                  <a:extLst>
-                    <a:ext uri="{9D8B030D-6E8A-4147-A177-3AD203B41FA5}">
-                      <a16:colId xmlns:a16="http://schemas.microsoft.com/office/drawing/2014/main" val="20001"/>
-                    </a:ext>
-                  </a:extLst>
-                </a:gridCol>
-                <a:gridCol w="1692804">
-                  <a:extLst>
-                    <a:ext uri="{9D8B030D-6E8A-4147-A177-3AD203B41FA5}">
-                      <a16:colId xmlns:a16="http://schemas.microsoft.com/office/drawing/2014/main" val="20002"/>
-                    </a:ext>
-                  </a:extLst>
-                </a:gridCol>
-              </a:tblGrid>
-              <a:tr h="563959">
-                <a:tc>
-                  <a:txBody>
-                    <a:bodyPr/>
-                    <a:lstStyle/>
-                    <a:p>
-                      <a:pPr rtl="0"/>
-                      <a:r>
-                        <a:rPr lang="pl"/>
-                        <a:t>Klasa</a:t>
-                      </a:r>
-                    </a:p>
-                  </a:txBody>
-                  <a:tcPr anchor="ctr">
-                    <a:solidFill>
-                      <a:srgbClr val="008282"/>
-                    </a:solidFill>
-                  </a:tcPr>
-                </a:tc>
-                <a:tc>
-                  <a:txBody>
-                    <a:bodyPr/>
-                    <a:lstStyle/>
-                    <a:p>
-                      <a:pPr algn="ctr" rtl="0"/>
-                      <a:r>
-                        <a:rPr lang="pl"/>
-                        <a:t>Grupa 1</a:t>
-                      </a:r>
-                    </a:p>
-                  </a:txBody>
-                  <a:tcPr anchor="ctr">
-                    <a:solidFill>
-                      <a:srgbClr val="008282"/>
-                    </a:solidFill>
-                  </a:tcPr>
-                </a:tc>
-                <a:tc>
-                  <a:txBody>
-                    <a:bodyPr/>
-                    <a:lstStyle/>
-                    <a:p>
-                      <a:pPr algn="ctr" rtl="0"/>
-                      <a:r>
-                        <a:rPr lang="pl"/>
-                        <a:t>Grupa 2</a:t>
-                      </a:r>
-                    </a:p>
-                  </a:txBody>
-                  <a:tcPr anchor="ctr">
-                    <a:solidFill>
-                      <a:srgbClr val="008282"/>
-                    </a:solidFill>
-                  </a:tcPr>
-                </a:tc>
-                <a:extLst>
-                  <a:ext uri="{0D108BD9-81ED-4DB2-BD59-A6C34878D82A}">
-                    <a16:rowId xmlns:a16="http://schemas.microsoft.com/office/drawing/2014/main" val="10000"/>
-                  </a:ext>
-                </a:extLst>
-              </a:tr>
-              <a:tr h="563959">
-                <a:tc>
-                  <a:txBody>
-                    <a:bodyPr/>
-                    <a:lstStyle/>
-                    <a:p>
-                      <a:pPr rtl="0"/>
-                      <a:r>
-                        <a:rPr lang="pl"/>
-                        <a:t>Klasa 1</a:t>
-                      </a:r>
-                    </a:p>
-                  </a:txBody>
-                  <a:tcPr anchor="ctr"/>
-                </a:tc>
-                <a:tc>
-                  <a:txBody>
-                    <a:bodyPr/>
-                    <a:lstStyle/>
-                    <a:p>
-                      <a:pPr algn="ctr" rtl="0"/>
-                      <a:r>
-                        <a:rPr lang="pl"/>
-                        <a:t>82</a:t>
-                      </a:r>
-                    </a:p>
-                  </a:txBody>
-                  <a:tcPr anchor="ctr"/>
-                </a:tc>
-                <a:tc>
-                  <a:txBody>
-                    <a:bodyPr/>
-                    <a:lstStyle/>
-                    <a:p>
-                      <a:pPr algn="ctr" rtl="0"/>
-                      <a:r>
-                        <a:rPr lang="pl"/>
-                        <a:t>95</a:t>
-                      </a:r>
-                    </a:p>
-                  </a:txBody>
-                  <a:tcPr anchor="ctr"/>
-                </a:tc>
-                <a:extLst>
-                  <a:ext uri="{0D108BD9-81ED-4DB2-BD59-A6C34878D82A}">
-                    <a16:rowId xmlns:a16="http://schemas.microsoft.com/office/drawing/2014/main" val="10001"/>
-                  </a:ext>
-                </a:extLst>
-              </a:tr>
-              <a:tr h="563959">
-                <a:tc>
-                  <a:txBody>
-                    <a:bodyPr/>
-                    <a:lstStyle/>
-                    <a:p>
-                      <a:pPr rtl="0"/>
-                      <a:r>
-                        <a:rPr lang="pl"/>
-                        <a:t>Klasa 2</a:t>
-                      </a:r>
-                    </a:p>
-                  </a:txBody>
-                  <a:tcPr anchor="ctr"/>
-                </a:tc>
-                <a:tc>
-                  <a:txBody>
-                    <a:bodyPr/>
-                    <a:lstStyle/>
-                    <a:p>
-                      <a:pPr algn="ctr" rtl="0"/>
-                      <a:r>
-                        <a:rPr lang="pl"/>
-                        <a:t>76</a:t>
-                      </a:r>
-                    </a:p>
-                  </a:txBody>
-                  <a:tcPr anchor="ctr"/>
-                </a:tc>
-                <a:tc>
-                  <a:txBody>
-                    <a:bodyPr/>
-                    <a:lstStyle/>
-                    <a:p>
-                      <a:pPr algn="ctr" rtl="0"/>
-                      <a:r>
-                        <a:rPr lang="pl"/>
-                        <a:t>88</a:t>
-                      </a:r>
-                    </a:p>
-                  </a:txBody>
-                  <a:tcPr anchor="ctr"/>
-                </a:tc>
-                <a:extLst>
-                  <a:ext uri="{0D108BD9-81ED-4DB2-BD59-A6C34878D82A}">
-                    <a16:rowId xmlns:a16="http://schemas.microsoft.com/office/drawing/2014/main" val="10002"/>
-                  </a:ext>
-                </a:extLst>
-              </a:tr>
-              <a:tr h="563959">
-                <a:tc>
-                  <a:txBody>
-                    <a:bodyPr/>
-                    <a:lstStyle/>
-                    <a:p>
-                      <a:pPr rtl="0"/>
-                      <a:r>
-                        <a:rPr lang="pl"/>
-                        <a:t>Klasa 3</a:t>
-                      </a:r>
-                    </a:p>
-                  </a:txBody>
-                  <a:tcPr anchor="ctr"/>
-                </a:tc>
-                <a:tc>
-                  <a:txBody>
-                    <a:bodyPr/>
-                    <a:lstStyle/>
-                    <a:p>
-                      <a:pPr algn="ctr" rtl="0"/>
-                      <a:r>
-                        <a:rPr lang="pl"/>
-                        <a:t>84</a:t>
-                      </a:r>
-                    </a:p>
-                  </a:txBody>
-                  <a:tcPr anchor="ctr"/>
-                </a:tc>
-                <a:tc>
-                  <a:txBody>
-                    <a:bodyPr/>
-                    <a:lstStyle/>
-                    <a:p>
-                      <a:pPr algn="ctr" rtl="0"/>
-                      <a:r>
-                        <a:rPr lang="pl"/>
-                        <a:t>90</a:t>
-                      </a:r>
-                    </a:p>
-                  </a:txBody>
-                  <a:tcPr anchor="ctr"/>
-                </a:tc>
-                <a:extLst>
-                  <a:ext uri="{0D108BD9-81ED-4DB2-BD59-A6C34878D82A}">
-                    <a16:rowId xmlns:a16="http://schemas.microsoft.com/office/drawing/2014/main" val="10003"/>
-                  </a:ext>
-                </a:extLst>
-              </a:tr>
-            </a:tbl>
-          </a:graphicData>
-        </a:graphic>
-      </p:graphicFrame>
-    </p:spTree>
-    <p:extLst>
-      <p:ext uri="{BB962C8B-B14F-4D97-AF65-F5344CB8AC3E}">
-        <p14:creationId xmlns:p14="http://schemas.microsoft.com/office/powerpoint/2010/main" val="2341911148"/>
-      </p:ext>
-    </p:extLst>
-  </p:cSld>
-  <p:clrMapOvr>
-    <a:masterClrMapping/>
-  </p:clrMapOvr>
-  <mc:AlternateContent xmlns:mc="http://schemas.openxmlformats.org/markup-compatibility/2006" xmlns:p14="http://schemas.microsoft.com/office/powerpoint/2010/main">
-    <mc:Choice Requires="p14">
-      <p:transition spd="med" p14:dur="700">
-        <p:fade/>
-      </p:transition>
-    </mc:Choice>
-    <mc:Fallback xmlns="">
-      <p:transition spd="med">
-        <p:fade/>
-      </p:transition>
-    </mc:Fallback>
-  </mc:AlternateContent>
-</p:sld>
-</file>
-
-<file path=ppt/slides/slide24.xml><?xml version="1.0" encoding="utf-8"?>
-<p:sld xmlns:a="http://schemas.openxmlformats.org/drawingml/2006/main" xmlns:r="http://schemas.openxmlformats.org/officeDocument/2006/relationships" xmlns:p="http://schemas.openxmlformats.org/presentationml/2006/main">
-  <p:cSld>
-    <p:spTree>
-      <p:nvGrpSpPr>
-        <p:cNvPr id="1" name=""/>
-        <p:cNvGrpSpPr/>
-        <p:nvPr/>
-      </p:nvGrpSpPr>
-      <p:grpSpPr>
-        <a:xfrm>
-          <a:off x="0" y="0"/>
-          <a:ext cx="0" cy="0"/>
-          <a:chOff x="0" y="0"/>
-          <a:chExt cx="0" cy="0"/>
-        </a:xfrm>
-      </p:grpSpPr>
-      <p:sp>
-        <p:nvSpPr>
           <p:cNvPr id="4" name="Tytuł 3"/>
           <p:cNvSpPr>
             <a:spLocks noGrp="1"/>
@@ -9110,7 +8752,7 @@
 </p:sld>
 </file>
 
-<file path=ppt/slides/slide25.xml><?xml version="1.0" encoding="utf-8"?>
+<file path=ppt/slides/slide24.xml><?xml version="1.0" encoding="utf-8"?>
 <p:sld xmlns:a="http://schemas.openxmlformats.org/drawingml/2006/main" xmlns:r="http://schemas.openxmlformats.org/officeDocument/2006/relationships" xmlns:p="http://schemas.openxmlformats.org/presentationml/2006/main">
   <p:cSld>
     <p:spTree>
@@ -9943,6 +9585,7 @@
           </a:bodyPr>
           <a:lstStyle/>
           <a:p>
+            <a:pPr algn="just"/>
             <a:r>
               <a:rPr lang="en-US" dirty="0"/>
               <a:t>Vue components extend basic HTML elements to encapsulate reusable code. At a high level, components are custom elements to which the Vue’s compiler attaches behavior. In Vue, a component is essentially a Vue instance with pre-defined options</a:t>
@@ -10153,7 +9796,7 @@
           </a:bodyPr>
           <a:lstStyle/>
           <a:p>
-            <a:pPr marL="0" indent="0">
+            <a:pPr marL="0" indent="0" algn="just">
               <a:buNone/>
             </a:pPr>
             <a:r>
@@ -11170,6 +10813,15 @@
 </file>
 
 <file path=customXml/item1.xml><?xml version="1.0" encoding="utf-8"?>
+<?mso-contentType ?>
+<FormTemplates xmlns="http://schemas.microsoft.com/sharepoint/v3/contenttype/forms">
+  <Display>DocumentLibraryForm</Display>
+  <Edit>AssetEditForm</Edit>
+  <New>DocumentLibraryForm</New>
+</FormTemplates>
+</file>
+
+<file path=customXml/item2.xml><?xml version="1.0" encoding="utf-8"?>
 <p:properties xmlns:p="http://schemas.microsoft.com/office/2006/metadata/properties" xmlns:xsi="http://www.w3.org/2001/XMLSchema-instance" xmlns:pc="http://schemas.microsoft.com/office/infopath/2007/PartnerControls">
   <documentManagement>
     <LocPublishedLinkedAssetsLookup xmlns="4873beb7-5857-4685-be1f-d57550cc96cc" xsi:nil="true"/>
@@ -11303,15 +10955,6 @@
     <LocMarketGroupTiers2 xmlns="4873beb7-5857-4685-be1f-d57550cc96cc" xsi:nil="true"/>
   </documentManagement>
 </p:properties>
-</file>
-
-<file path=customXml/item2.xml><?xml version="1.0" encoding="utf-8"?>
-<?mso-contentType ?>
-<FormTemplates xmlns="http://schemas.microsoft.com/sharepoint/v3/contenttype/forms">
-  <Display>DocumentLibraryForm</Display>
-  <Edit>AssetEditForm</Edit>
-  <New>DocumentLibraryForm</New>
-</FormTemplates>
 </file>
 
 <file path=customXml/item3.xml><?xml version="1.0" encoding="utf-8"?>
@@ -12355,6 +11998,14 @@
 </file>
 
 <file path=customXml/itemProps1.xml><?xml version="1.0" encoding="utf-8"?>
+<ds:datastoreItem xmlns:ds="http://schemas.openxmlformats.org/officeDocument/2006/customXml" ds:itemID="{3836F65B-1B07-41EE-A0E8-BC6EF3855225}">
+  <ds:schemaRefs>
+    <ds:schemaRef ds:uri="http://schemas.microsoft.com/sharepoint/v3/contenttype/forms"/>
+  </ds:schemaRefs>
+</ds:datastoreItem>
+</file>
+
+<file path=customXml/itemProps2.xml><?xml version="1.0" encoding="utf-8"?>
 <ds:datastoreItem xmlns:ds="http://schemas.openxmlformats.org/officeDocument/2006/customXml" ds:itemID="{60C67BEE-D13F-4BD2-98A5-34D8A0977F68}">
   <ds:schemaRefs>
     <ds:schemaRef ds:uri="4873beb7-5857-4685-be1f-d57550cc96cc"/>
@@ -12366,14 +12017,6 @@
     <ds:schemaRef ds:uri="http://schemas.microsoft.com/office/infopath/2007/PartnerControls"/>
     <ds:schemaRef ds:uri="http://www.w3.org/XML/1998/namespace"/>
     <ds:schemaRef ds:uri="http://purl.org/dc/dcmitype/"/>
-  </ds:schemaRefs>
-</ds:datastoreItem>
-</file>
-
-<file path=customXml/itemProps2.xml><?xml version="1.0" encoding="utf-8"?>
-<ds:datastoreItem xmlns:ds="http://schemas.openxmlformats.org/officeDocument/2006/customXml" ds:itemID="{3836F65B-1B07-41EE-A0E8-BC6EF3855225}">
-  <ds:schemaRefs>
-    <ds:schemaRef ds:uri="http://schemas.microsoft.com/sharepoint/v3/contenttype/forms"/>
   </ds:schemaRefs>
 </ds:datastoreItem>
 </file>

--- a/Vue.js.pptx
+++ b/Vue.js.pptx
@@ -10813,15 +10813,6 @@
 </file>
 
 <file path=customXml/item1.xml><?xml version="1.0" encoding="utf-8"?>
-<?mso-contentType ?>
-<FormTemplates xmlns="http://schemas.microsoft.com/sharepoint/v3/contenttype/forms">
-  <Display>DocumentLibraryForm</Display>
-  <Edit>AssetEditForm</Edit>
-  <New>DocumentLibraryForm</New>
-</FormTemplates>
-</file>
-
-<file path=customXml/item2.xml><?xml version="1.0" encoding="utf-8"?>
 <p:properties xmlns:p="http://schemas.microsoft.com/office/2006/metadata/properties" xmlns:xsi="http://www.w3.org/2001/XMLSchema-instance" xmlns:pc="http://schemas.microsoft.com/office/infopath/2007/PartnerControls">
   <documentManagement>
     <LocPublishedLinkedAssetsLookup xmlns="4873beb7-5857-4685-be1f-d57550cc96cc" xsi:nil="true"/>
@@ -10955,6 +10946,15 @@
     <LocMarketGroupTiers2 xmlns="4873beb7-5857-4685-be1f-d57550cc96cc" xsi:nil="true"/>
   </documentManagement>
 </p:properties>
+</file>
+
+<file path=customXml/item2.xml><?xml version="1.0" encoding="utf-8"?>
+<?mso-contentType ?>
+<FormTemplates xmlns="http://schemas.microsoft.com/sharepoint/v3/contenttype/forms">
+  <Display>DocumentLibraryForm</Display>
+  <Edit>AssetEditForm</Edit>
+  <New>DocumentLibraryForm</New>
+</FormTemplates>
 </file>
 
 <file path=customXml/item3.xml><?xml version="1.0" encoding="utf-8"?>
@@ -11998,14 +11998,6 @@
 </file>
 
 <file path=customXml/itemProps1.xml><?xml version="1.0" encoding="utf-8"?>
-<ds:datastoreItem xmlns:ds="http://schemas.openxmlformats.org/officeDocument/2006/customXml" ds:itemID="{3836F65B-1B07-41EE-A0E8-BC6EF3855225}">
-  <ds:schemaRefs>
-    <ds:schemaRef ds:uri="http://schemas.microsoft.com/sharepoint/v3/contenttype/forms"/>
-  </ds:schemaRefs>
-</ds:datastoreItem>
-</file>
-
-<file path=customXml/itemProps2.xml><?xml version="1.0" encoding="utf-8"?>
 <ds:datastoreItem xmlns:ds="http://schemas.openxmlformats.org/officeDocument/2006/customXml" ds:itemID="{60C67BEE-D13F-4BD2-98A5-34D8A0977F68}">
   <ds:schemaRefs>
     <ds:schemaRef ds:uri="4873beb7-5857-4685-be1f-d57550cc96cc"/>
@@ -12017,6 +12009,14 @@
     <ds:schemaRef ds:uri="http://schemas.microsoft.com/office/infopath/2007/PartnerControls"/>
     <ds:schemaRef ds:uri="http://www.w3.org/XML/1998/namespace"/>
     <ds:schemaRef ds:uri="http://purl.org/dc/dcmitype/"/>
+  </ds:schemaRefs>
+</ds:datastoreItem>
+</file>
+
+<file path=customXml/itemProps2.xml><?xml version="1.0" encoding="utf-8"?>
+<ds:datastoreItem xmlns:ds="http://schemas.openxmlformats.org/officeDocument/2006/customXml" ds:itemID="{3836F65B-1B07-41EE-A0E8-BC6EF3855225}">
+  <ds:schemaRefs>
+    <ds:schemaRef ds:uri="http://schemas.microsoft.com/sharepoint/v3/contenttype/forms"/>
   </ds:schemaRefs>
 </ds:datastoreItem>
 </file>
